--- a/apresentacoes/04 - DIO - Trilha - Java Básico - Controle de Fluxo - Introdução.pptx
+++ b/apresentacoes/04 - DIO - Trilha - Java Básico - Controle de Fluxo - Introdução.pptx
@@ -278,7 +278,7 @@
       </p15:sldGuideLst>
     </p:ext>
     <p:ext uri="http://customooxmlschemas.google.com/">
-      <go:slidesCustomData xmlns:go="http://customooxmlschemas.google.com/" xmlns:ahyp="http://schemas.microsoft.com/office/drawing/2018/hyperlinkcolor" xmlns:p15="http://schemas.microsoft.com/office/powerpoint/2012/main" xmlns:p14="http://schemas.microsoft.com/office/powerpoint/2010/main" xmlns:com="http://schemas.openxmlformats.org/drawingml/2006/compatibility" xmlns:pvml="urn:schemas-microsoft-com:office:powerpoint" xmlns:v="urn:schemas-microsoft-com:vml" xmlns:o="urn:schemas-microsoft-com:office:office" xmlns:dgm="http://schemas.openxmlformats.org/drawingml/2006/diagram" xmlns:c="http://schemas.openxmlformats.org/drawingml/2006/chart" xmlns:mv="urn:schemas-microsoft-com:mac:vml" xmlns:mc="http://schemas.openxmlformats.org/markup-compatibility/2006" xmlns="" r:id="rId34" roundtripDataSignature="AMtx7mgtC6RReGa0UWk9iwQjmNzrBPMGWQ=="/>
+      <go:slidesCustomData xmlns="" xmlns:mc="http://schemas.openxmlformats.org/markup-compatibility/2006" xmlns:mv="urn:schemas-microsoft-com:mac:vml" xmlns:c="http://schemas.openxmlformats.org/drawingml/2006/chart" xmlns:dgm="http://schemas.openxmlformats.org/drawingml/2006/diagram" xmlns:o="urn:schemas-microsoft-com:office:office" xmlns:v="urn:schemas-microsoft-com:vml" xmlns:pvml="urn:schemas-microsoft-com:office:powerpoint" xmlns:com="http://schemas.openxmlformats.org/drawingml/2006/compatibility" xmlns:p14="http://schemas.microsoft.com/office/powerpoint/2010/main" xmlns:p15="http://schemas.microsoft.com/office/powerpoint/2012/main" xmlns:ahyp="http://schemas.microsoft.com/office/drawing/2018/hyperlinkcolor" xmlns:go="http://customooxmlschemas.google.com/" r:id="rId34" roundtripDataSignature="AMtx7mgtC6RReGa0UWk9iwQjmNzrBPMGWQ=="/>
     </p:ext>
   </p:extLst>
 </p:presentation>
@@ -3207,7 +3207,7 @@
         <p:fade/>
       </p:transition>
     </mc:Choice>
-    <mc:Fallback xmlns:ahyp="http://schemas.microsoft.com/office/drawing/2018/hyperlinkcolor" xmlns:p15="http://schemas.microsoft.com/office/powerpoint/2012/main" xmlns:com="http://schemas.openxmlformats.org/drawingml/2006/compatibility" xmlns:pvml="urn:schemas-microsoft-com:office:powerpoint" xmlns:v="urn:schemas-microsoft-com:vml" xmlns:o="urn:schemas-microsoft-com:office:office" xmlns:dgm="http://schemas.openxmlformats.org/drawingml/2006/diagram" xmlns:c="http://schemas.openxmlformats.org/drawingml/2006/chart" xmlns:mv="urn:schemas-microsoft-com:mac:vml" xmlns="">
+    <mc:Fallback xmlns="" xmlns:mv="urn:schemas-microsoft-com:mac:vml" xmlns:c="http://schemas.openxmlformats.org/drawingml/2006/chart" xmlns:dgm="http://schemas.openxmlformats.org/drawingml/2006/diagram" xmlns:o="urn:schemas-microsoft-com:office:office" xmlns:v="urn:schemas-microsoft-com:vml" xmlns:pvml="urn:schemas-microsoft-com:office:powerpoint" xmlns:com="http://schemas.openxmlformats.org/drawingml/2006/compatibility" xmlns:p15="http://schemas.microsoft.com/office/powerpoint/2012/main" xmlns:ahyp="http://schemas.microsoft.com/office/drawing/2018/hyperlinkcolor">
       <p:transition spd="slow">
         <p:fade/>
       </p:transition>
@@ -3250,7 +3250,7 @@
         <p:spPr>
           <a:xfrm>
             <a:off x="1014100" y="1972300"/>
-            <a:ext cx="6496200" cy="1125900"/>
+            <a:ext cx="5903535" cy="1125900"/>
           </a:xfrm>
           <a:prstGeom prst="rect">
             <a:avLst/>
@@ -3292,7 +3292,7 @@
                 <a:latin typeface="Calibri" panose="020F0502020204030204" pitchFamily="34" charset="0"/>
                 <a:cs typeface="Calibri" panose="020F0502020204030204" pitchFamily="34" charset="0"/>
               </a:rPr>
-              <a:t>Explorar os tipos de fluxo condicional, excepcional e de repetição em uma aplicação Java.</a:t>
+              <a:t>Apresentar os conceitos e explorar os tipos de fluxos condicional, excepcional e de repetição em uma aplicação Java.</a:t>
             </a:r>
             <a:endParaRPr sz="2400" b="0" i="0" u="none" strike="noStrike" cap="none" dirty="0">
               <a:solidFill>
@@ -3383,7 +3383,7 @@
         <p:fade/>
       </p:transition>
     </mc:Choice>
-    <mc:Fallback xmlns:ahyp="http://schemas.microsoft.com/office/drawing/2018/hyperlinkcolor" xmlns:p15="http://schemas.microsoft.com/office/powerpoint/2012/main" xmlns:com="http://schemas.openxmlformats.org/drawingml/2006/compatibility" xmlns:pvml="urn:schemas-microsoft-com:office:powerpoint" xmlns:v="urn:schemas-microsoft-com:vml" xmlns:o="urn:schemas-microsoft-com:office:office" xmlns:dgm="http://schemas.openxmlformats.org/drawingml/2006/diagram" xmlns:c="http://schemas.openxmlformats.org/drawingml/2006/chart" xmlns:mv="urn:schemas-microsoft-com:mac:vml" xmlns="">
+    <mc:Fallback xmlns="" xmlns:mv="urn:schemas-microsoft-com:mac:vml" xmlns:c="http://schemas.openxmlformats.org/drawingml/2006/chart" xmlns:dgm="http://schemas.openxmlformats.org/drawingml/2006/diagram" xmlns:o="urn:schemas-microsoft-com:office:office" xmlns:v="urn:schemas-microsoft-com:vml" xmlns:pvml="urn:schemas-microsoft-com:office:powerpoint" xmlns:com="http://schemas.openxmlformats.org/drawingml/2006/compatibility" xmlns:p15="http://schemas.microsoft.com/office/powerpoint/2012/main" xmlns:ahyp="http://schemas.microsoft.com/office/drawing/2018/hyperlinkcolor">
       <p:transition spd="slow">
         <p:fade/>
       </p:transition>
@@ -3631,7 +3631,7 @@
         <p:fade/>
       </p:transition>
     </mc:Choice>
-    <mc:Fallback xmlns="" xmlns:mv="urn:schemas-microsoft-com:mac:vml" xmlns:c="http://schemas.openxmlformats.org/drawingml/2006/chart" xmlns:dgm="http://schemas.openxmlformats.org/drawingml/2006/diagram" xmlns:o="urn:schemas-microsoft-com:office:office" xmlns:v="urn:schemas-microsoft-com:vml" xmlns:pvml="urn:schemas-microsoft-com:office:powerpoint" xmlns:com="http://schemas.openxmlformats.org/drawingml/2006/compatibility" xmlns:p15="http://schemas.microsoft.com/office/powerpoint/2012/main" xmlns:ahyp="http://schemas.microsoft.com/office/drawing/2018/hyperlinkcolor">
+    <mc:Fallback xmlns:ahyp="http://schemas.microsoft.com/office/drawing/2018/hyperlinkcolor" xmlns:p15="http://schemas.microsoft.com/office/powerpoint/2012/main" xmlns:com="http://schemas.openxmlformats.org/drawingml/2006/compatibility" xmlns:pvml="urn:schemas-microsoft-com:office:powerpoint" xmlns:v="urn:schemas-microsoft-com:vml" xmlns:o="urn:schemas-microsoft-com:office:office" xmlns:dgm="http://schemas.openxmlformats.org/drawingml/2006/diagram" xmlns:c="http://schemas.openxmlformats.org/drawingml/2006/chart" xmlns:mv="urn:schemas-microsoft-com:mac:vml" xmlns="">
       <p:transition spd="slow">
         <p:fade/>
       </p:transition>
@@ -3999,7 +3999,7 @@
         <p:fade/>
       </p:transition>
     </mc:Choice>
-    <mc:Fallback xmlns:ahyp="http://schemas.microsoft.com/office/drawing/2018/hyperlinkcolor" xmlns:p15="http://schemas.microsoft.com/office/powerpoint/2012/main" xmlns:com="http://schemas.openxmlformats.org/drawingml/2006/compatibility" xmlns:pvml="urn:schemas-microsoft-com:office:powerpoint" xmlns:v="urn:schemas-microsoft-com:vml" xmlns:o="urn:schemas-microsoft-com:office:office" xmlns:dgm="http://schemas.openxmlformats.org/drawingml/2006/diagram" xmlns:c="http://schemas.openxmlformats.org/drawingml/2006/chart" xmlns:mv="urn:schemas-microsoft-com:mac:vml" xmlns="">
+    <mc:Fallback xmlns="" xmlns:mv="urn:schemas-microsoft-com:mac:vml" xmlns:c="http://schemas.openxmlformats.org/drawingml/2006/chart" xmlns:dgm="http://schemas.openxmlformats.org/drawingml/2006/diagram" xmlns:o="urn:schemas-microsoft-com:office:office" xmlns:v="urn:schemas-microsoft-com:vml" xmlns:pvml="urn:schemas-microsoft-com:office:powerpoint" xmlns:com="http://schemas.openxmlformats.org/drawingml/2006/compatibility" xmlns:p15="http://schemas.microsoft.com/office/powerpoint/2012/main" xmlns:ahyp="http://schemas.microsoft.com/office/drawing/2018/hyperlinkcolor">
       <p:transition spd="slow">
         <p:fade/>
       </p:transition>
@@ -4361,7 +4361,7 @@
         <p:fade/>
       </p:transition>
     </mc:Choice>
-    <mc:Fallback xmlns:ahyp="http://schemas.microsoft.com/office/drawing/2018/hyperlinkcolor" xmlns:p15="http://schemas.microsoft.com/office/powerpoint/2012/main" xmlns:com="http://schemas.openxmlformats.org/drawingml/2006/compatibility" xmlns:pvml="urn:schemas-microsoft-com:office:powerpoint" xmlns:v="urn:schemas-microsoft-com:vml" xmlns:o="urn:schemas-microsoft-com:office:office" xmlns:dgm="http://schemas.openxmlformats.org/drawingml/2006/diagram" xmlns:c="http://schemas.openxmlformats.org/drawingml/2006/chart" xmlns:mv="urn:schemas-microsoft-com:mac:vml" xmlns="">
+    <mc:Fallback xmlns="" xmlns:mv="urn:schemas-microsoft-com:mac:vml" xmlns:c="http://schemas.openxmlformats.org/drawingml/2006/chart" xmlns:dgm="http://schemas.openxmlformats.org/drawingml/2006/diagram" xmlns:o="urn:schemas-microsoft-com:office:office" xmlns:v="urn:schemas-microsoft-com:vml" xmlns:pvml="urn:schemas-microsoft-com:office:powerpoint" xmlns:com="http://schemas.openxmlformats.org/drawingml/2006/compatibility" xmlns:p15="http://schemas.microsoft.com/office/powerpoint/2012/main" xmlns:ahyp="http://schemas.microsoft.com/office/drawing/2018/hyperlinkcolor">
       <p:transition spd="slow">
         <p:fade/>
       </p:transition>
